--- a/slides/Lecture_10_StochasticContinuous.pptx
+++ b/slides/Lecture_10_StochasticContinuous.pptx
@@ -28,15 +28,14 @@
     <p:sldId id="285" r:id="rId22"/>
     <p:sldId id="273" r:id="rId23"/>
     <p:sldId id="274" r:id="rId24"/>
-    <p:sldId id="275" r:id="rId25"/>
-    <p:sldId id="276" r:id="rId26"/>
-    <p:sldId id="279" r:id="rId27"/>
-    <p:sldId id="280" r:id="rId28"/>
-    <p:sldId id="281" r:id="rId29"/>
-    <p:sldId id="286" r:id="rId30"/>
-    <p:sldId id="288" r:id="rId31"/>
-    <p:sldId id="287" r:id="rId32"/>
-    <p:sldId id="282" r:id="rId33"/>
+    <p:sldId id="276" r:id="rId25"/>
+    <p:sldId id="279" r:id="rId26"/>
+    <p:sldId id="280" r:id="rId27"/>
+    <p:sldId id="281" r:id="rId28"/>
+    <p:sldId id="286" r:id="rId29"/>
+    <p:sldId id="288" r:id="rId30"/>
+    <p:sldId id="287" r:id="rId31"/>
+    <p:sldId id="282" r:id="rId32"/>
   </p:sldIdLst>
   <p:sldSz cx="9144000" cy="6858000" type="screen4x3"/>
   <p:notesSz cx="6858000" cy="9144000"/>
@@ -315,7 +314,7 @@
             <a:fld id="{05CC55C5-3AE8-4299-988D-DFB8217A9B4E}" type="datetimeFigureOut">
               <a:rPr lang="en-GB" smtClean="0"/>
               <a:pPr/>
-              <a:t>20/04/2023</a:t>
+              <a:t>01/09/2024</a:t>
             </a:fld>
             <a:endParaRPr lang="en-GB" dirty="0"/>
           </a:p>
@@ -671,7 +670,7 @@
           <a:p>
             <a:fld id="{05CC55C5-3AE8-4299-988D-DFB8217A9B4E}" type="datetimeFigureOut">
               <a:rPr lang="en-GB" smtClean="0"/>
-              <a:t>20/04/2023</a:t>
+              <a:t>01/09/2024</a:t>
             </a:fld>
             <a:endParaRPr lang="en-GB"/>
           </a:p>
@@ -5293,8 +5292,8 @@
           </a:p>
         </p:txBody>
       </p:sp>
-      <mc:AlternateContent xmlns:mc="http://schemas.openxmlformats.org/markup-compatibility/2006">
-        <mc:Choice xmlns:a14="http://schemas.microsoft.com/office/drawing/2010/main" Requires="a14">
+      <mc:AlternateContent xmlns:mc="http://schemas.openxmlformats.org/markup-compatibility/2006" xmlns:a14="http://schemas.microsoft.com/office/drawing/2010/main">
+        <mc:Choice Requires="a14">
           <p:sp>
             <p:nvSpPr>
               <p:cNvPr id="3" name="Content Placeholder 2"/>
@@ -5656,7 +5655,7 @@
             </p:txBody>
           </p:sp>
         </mc:Choice>
-        <mc:Fallback>
+        <mc:Fallback xmlns="">
           <p:sp>
             <p:nvSpPr>
               <p:cNvPr id="3" name="Content Placeholder 2"/>
@@ -7530,7 +7529,7 @@
               <a:buNone/>
             </a:pPr>
             <a:r>
-              <a:t>Practical structure</a:t>
+              <a:t>Practical part 1</a:t>
             </a:r>
           </a:p>
         </p:txBody>
@@ -7550,27 +7549,19 @@
           <a:bodyPr/>
           <a:lstStyle/>
           <a:p>
+            <a:pPr marL="342991" lvl="1" indent="0" algn="ctr">
+              <a:buNone/>
+            </a:pPr>
+            <a:r>
+              <a:rPr lang="en-GB" b="1" dirty="0"/>
+              <a:t>Stochastic simulation using the Gillespie algorithm</a:t>
+            </a:r>
+          </a:p>
+          <a:p>
             <a:pPr lvl="1"/>
             <a:r>
               <a:rPr dirty="0"/>
-              <a:t>Part 1: Stochastic simulation using the Gillespie algorithm</a:t>
-            </a:r>
-          </a:p>
-          <a:p>
-            <a:pPr lvl="1"/>
-            <a:r>
-              <a:rPr dirty="0"/>
-              <a:t>Part 2: A faster alternative: the </a:t>
-            </a:r>
-            <a:r>
-              <a:rPr sz="1800" dirty="0" err="1">
-                <a:latin typeface="Courier"/>
-              </a:rPr>
-              <a:t>adaptivetau</a:t>
-            </a:r>
-            <a:r>
-              <a:rPr dirty="0"/>
-              <a:t> package</a:t>
+              <a:t>Objective: use the Gillespie algorithm to simulate the SIR model; process outputs from stochastic models</a:t>
             </a:r>
           </a:p>
         </p:txBody>
@@ -7627,7 +7618,7 @@
               <a:buNone/>
             </a:pPr>
             <a:r>
-              <a:t>Practical part 1</a:t>
+              <a:t>adaptive tau-leaping</a:t>
             </a:r>
           </a:p>
         </p:txBody>
@@ -7647,35 +7638,91 @@
           <a:bodyPr/>
           <a:lstStyle/>
           <a:p>
-            <a:pPr lvl="1"/>
-            <a:r>
-              <a:rPr dirty="0"/>
-              <a:t>Open the file </a:t>
-            </a:r>
-            <a:r>
-              <a:rPr lang="en-GB" sz="1800" dirty="0">
+            <a:pPr marL="0" lvl="0" indent="0">
+              <a:buNone/>
+            </a:pPr>
+            <a:r>
+              <a:rPr lang="en-GB" sz="2100" dirty="0"/>
+              <a:t>Algorithm: </a:t>
+            </a:r>
+          </a:p>
+          <a:p>
+            <a:pPr marL="342900" lvl="0" indent="-342900">
+              <a:buFontTx/>
+              <a:buChar char="-"/>
+            </a:pPr>
+            <a:r>
+              <a:rPr lang="en-GB" sz="2100" dirty="0"/>
+              <a:t>Identifies periods during which all </a:t>
+            </a:r>
+            <a:r>
+              <a:rPr sz="2100" dirty="0"/>
+              <a:t>rates are not expected to change, and all variables are far from 0</a:t>
+            </a:r>
+            <a:endParaRPr lang="en-GB" sz="2100" dirty="0"/>
+          </a:p>
+          <a:p>
+            <a:pPr marL="342900" lvl="0" indent="-342900">
+              <a:buFontTx/>
+              <a:buChar char="-"/>
+            </a:pPr>
+            <a:r>
+              <a:rPr lang="en-GB" sz="2100" dirty="0"/>
+              <a:t>“Leaps” over these periods of time</a:t>
+            </a:r>
+          </a:p>
+          <a:p>
+            <a:pPr marL="342900" lvl="0" indent="-342900">
+              <a:buFontTx/>
+              <a:buChar char="-"/>
+            </a:pPr>
+            <a:r>
+              <a:rPr lang="en-GB" sz="2100" dirty="0"/>
+              <a:t>Adds the net effect of the Poisson-distributed number of transitions that should have occurred in that period</a:t>
+            </a:r>
+          </a:p>
+          <a:p>
+            <a:pPr marL="342900" lvl="0" indent="-342900">
+              <a:buFontTx/>
+              <a:buChar char="-"/>
+            </a:pPr>
+            <a:endParaRPr lang="en-GB" sz="2100" dirty="0"/>
+          </a:p>
+          <a:p>
+            <a:pPr marL="0" lvl="0" indent="0">
+              <a:buNone/>
+            </a:pPr>
+            <a:r>
+              <a:rPr lang="en-GB" sz="2100" dirty="0"/>
+              <a:t>   </a:t>
+            </a:r>
+            <a:endParaRPr sz="2100" dirty="0"/>
+          </a:p>
+          <a:p>
+            <a:pPr marL="0" lvl="0" indent="0">
+              <a:buNone/>
+            </a:pPr>
+            <a:r>
+              <a:rPr sz="2100" dirty="0"/>
+              <a:t>In R, the </a:t>
+            </a:r>
+            <a:r>
+              <a:rPr sz="2100" dirty="0" err="1">
                 <a:latin typeface="Courier"/>
               </a:rPr>
-              <a:t>10_StochasticContinuousractical/01_Gillespie.R</a:t>
-            </a:r>
-            <a:r>
-              <a:rPr dirty="0"/>
-              <a:t> </a:t>
-            </a:r>
-            <a:br>
-              <a:rPr lang="en-US" dirty="0"/>
-            </a:br>
-            <a:r>
-              <a:rPr dirty="0"/>
-              <a:t>and follow the instructions</a:t>
-            </a:r>
-          </a:p>
-          <a:p>
-            <a:pPr lvl="1"/>
-            <a:r>
-              <a:rPr dirty="0"/>
-              <a:t>Objective: use the Gillespie algorithm to simulate the SIR model; process outputs from stochastic models</a:t>
-            </a:r>
+              <a:t>ssa.adaptivetau</a:t>
+            </a:r>
+            <a:r>
+              <a:rPr sz="2100" dirty="0"/>
+              <a:t> package implements this (and generates fast C code).</a:t>
+            </a:r>
+            <a:endParaRPr lang="en-GB" sz="2100" dirty="0"/>
+          </a:p>
+          <a:p>
+            <a:pPr marL="0" lvl="0" indent="0">
+              <a:buNone/>
+            </a:pPr>
+            <a:endParaRPr lang="en-GB" sz="2100" dirty="0"/>
           </a:p>
         </p:txBody>
       </p:sp>
@@ -7731,7 +7778,7 @@
               <a:buNone/>
             </a:pPr>
             <a:r>
-              <a:t>adaptive tau-leaping</a:t>
+              <a:t>Practical part 2</a:t>
             </a:r>
           </a:p>
         </p:txBody>
@@ -7751,91 +7798,53 @@
           <a:bodyPr/>
           <a:lstStyle/>
           <a:p>
-            <a:pPr marL="0" lvl="0" indent="0">
+            <a:pPr marL="342991" lvl="1" indent="0" algn="ctr">
               <a:buNone/>
             </a:pPr>
             <a:r>
-              <a:rPr lang="en-GB" sz="2100" dirty="0"/>
-              <a:t>Algorithm: </a:t>
-            </a:r>
-          </a:p>
-          <a:p>
-            <a:pPr marL="342900" lvl="0" indent="-342900">
-              <a:buFontTx/>
-              <a:buChar char="-"/>
-            </a:pPr>
-            <a:r>
-              <a:rPr lang="en-GB" sz="2100" dirty="0"/>
-              <a:t>Identifies periods during which all </a:t>
-            </a:r>
-            <a:r>
-              <a:rPr sz="2100" dirty="0"/>
-              <a:t>rates are not expected to change, and all variables are far from 0</a:t>
-            </a:r>
-            <a:endParaRPr lang="en-GB" sz="2100" dirty="0"/>
-          </a:p>
-          <a:p>
-            <a:pPr marL="342900" lvl="0" indent="-342900">
-              <a:buFontTx/>
-              <a:buChar char="-"/>
-            </a:pPr>
-            <a:r>
-              <a:rPr lang="en-GB" sz="2100" dirty="0"/>
-              <a:t>“Leaps” over these periods of time</a:t>
-            </a:r>
-          </a:p>
-          <a:p>
-            <a:pPr marL="342900" lvl="0" indent="-342900">
-              <a:buFontTx/>
-              <a:buChar char="-"/>
-            </a:pPr>
-            <a:r>
-              <a:rPr lang="en-GB" sz="2100" dirty="0"/>
-              <a:t>Adds the net effect of the Poisson-distributed number of transitions that should have occurred in that period</a:t>
-            </a:r>
-          </a:p>
-          <a:p>
-            <a:pPr marL="342900" lvl="0" indent="-342900">
-              <a:buFontTx/>
-              <a:buChar char="-"/>
-            </a:pPr>
-            <a:endParaRPr lang="en-GB" sz="2100" dirty="0"/>
-          </a:p>
-          <a:p>
-            <a:pPr marL="0" lvl="0" indent="0">
-              <a:buNone/>
-            </a:pPr>
-            <a:r>
-              <a:rPr lang="en-GB" sz="2100" dirty="0"/>
-              <a:t>   </a:t>
-            </a:r>
-            <a:endParaRPr sz="2100" dirty="0"/>
-          </a:p>
-          <a:p>
-            <a:pPr marL="0" lvl="0" indent="0">
-              <a:buNone/>
-            </a:pPr>
-            <a:r>
-              <a:rPr sz="2100" dirty="0"/>
-              <a:t>In R, the </a:t>
-            </a:r>
-            <a:r>
-              <a:rPr sz="2100" dirty="0" err="1">
+              <a:rPr lang="en-GB" b="1" dirty="0"/>
+              <a:t>A faster alternative: the </a:t>
+            </a:r>
+            <a:r>
+              <a:rPr lang="en-GB" sz="1800" b="1" dirty="0" err="1">
                 <a:latin typeface="Courier"/>
               </a:rPr>
-              <a:t>ssa.adaptivetau</a:t>
-            </a:r>
-            <a:r>
-              <a:rPr sz="2100" dirty="0"/>
-              <a:t> package implements this (and generates fast C code).</a:t>
-            </a:r>
-            <a:endParaRPr lang="en-GB" sz="2100" dirty="0"/>
-          </a:p>
-          <a:p>
-            <a:pPr marL="0" lvl="0" indent="0">
-              <a:buNone/>
-            </a:pPr>
-            <a:endParaRPr lang="en-GB" sz="2100" dirty="0"/>
+              <a:t>adaptivetau</a:t>
+            </a:r>
+            <a:r>
+              <a:rPr lang="en-GB" b="1" dirty="0"/>
+              <a:t> package</a:t>
+            </a:r>
+          </a:p>
+          <a:p>
+            <a:pPr lvl="1"/>
+            <a:r>
+              <a:rPr dirty="0"/>
+              <a:t>Objective: use the </a:t>
+            </a:r>
+            <a:r>
+              <a:rPr sz="1800" dirty="0" err="1">
+                <a:latin typeface="Courier"/>
+              </a:rPr>
+              <a:t>adaptivetau</a:t>
+            </a:r>
+            <a:r>
+              <a:rPr dirty="0"/>
+              <a:t> packages to simulate the </a:t>
+            </a:r>
+            <a:r>
+              <a:rPr lang="en-GB" dirty="0"/>
+              <a:t>SIR and </a:t>
+            </a:r>
+            <a:r>
+              <a:rPr dirty="0"/>
+              <a:t>SEITL model</a:t>
+            </a:r>
+            <a:r>
+              <a:rPr lang="en-GB" dirty="0"/>
+              <a:t>s</a:t>
+            </a:r>
+            <a:endParaRPr dirty="0"/>
           </a:p>
         </p:txBody>
       </p:sp>
@@ -7891,126 +7900,6 @@
               <a:buNone/>
             </a:pPr>
             <a:r>
-              <a:t>Practical part 2</a:t>
-            </a:r>
-          </a:p>
-        </p:txBody>
-      </p:sp>
-      <p:sp>
-        <p:nvSpPr>
-          <p:cNvPr id="3" name="Content Placeholder 2"/>
-          <p:cNvSpPr>
-            <a:spLocks noGrp="1"/>
-          </p:cNvSpPr>
-          <p:nvPr>
-            <p:ph idx="1" hasCustomPrompt="1"/>
-          </p:nvPr>
-        </p:nvSpPr>
-        <p:spPr/>
-        <p:txBody>
-          <a:bodyPr/>
-          <a:lstStyle/>
-          <a:p>
-            <a:pPr lvl="1"/>
-            <a:r>
-              <a:rPr dirty="0"/>
-              <a:t>Open the file </a:t>
-            </a:r>
-            <a:r>
-              <a:rPr lang="en-GB" sz="1800" dirty="0">
-                <a:latin typeface="Courier"/>
-              </a:rPr>
-              <a:t>10_StochasticContinuousractical/02_AdaptiveTau.R </a:t>
-            </a:r>
-            <a:r>
-              <a:rPr dirty="0"/>
-              <a:t>and follow the instructions</a:t>
-            </a:r>
-          </a:p>
-          <a:p>
-            <a:pPr lvl="1"/>
-            <a:r>
-              <a:rPr dirty="0"/>
-              <a:t>Objective: use the </a:t>
-            </a:r>
-            <a:r>
-              <a:rPr sz="1800" dirty="0" err="1">
-                <a:latin typeface="Courier"/>
-              </a:rPr>
-              <a:t>adaptivetau</a:t>
-            </a:r>
-            <a:r>
-              <a:rPr dirty="0"/>
-              <a:t> packages to simulate the </a:t>
-            </a:r>
-            <a:r>
-              <a:rPr lang="en-GB" dirty="0"/>
-              <a:t>SIR and </a:t>
-            </a:r>
-            <a:r>
-              <a:rPr dirty="0"/>
-              <a:t>SEITL model</a:t>
-            </a:r>
-            <a:r>
-              <a:rPr lang="en-GB" dirty="0"/>
-              <a:t>s</a:t>
-            </a:r>
-            <a:endParaRPr dirty="0"/>
-          </a:p>
-        </p:txBody>
-      </p:sp>
-    </p:spTree>
-  </p:cSld>
-  <p:clrMapOvr>
-    <a:masterClrMapping/>
-  </p:clrMapOvr>
-</p:sld>
-</file>
-
-<file path=ppt/slides/slide28.xml><?xml version="1.0" encoding="utf-8"?>
-<p:sld xmlns:a="http://schemas.openxmlformats.org/drawingml/2006/main" xmlns:r="http://schemas.openxmlformats.org/officeDocument/2006/relationships" xmlns:p="http://schemas.openxmlformats.org/presentationml/2006/main">
-  <p:cSld>
-    <p:spTree>
-      <p:nvGrpSpPr>
-        <p:cNvPr id="1" name=""/>
-        <p:cNvGrpSpPr/>
-        <p:nvPr/>
-      </p:nvGrpSpPr>
-      <p:grpSpPr>
-        <a:xfrm>
-          <a:off x="0" y="0"/>
-          <a:ext cx="0" cy="0"/>
-          <a:chOff x="0" y="0"/>
-          <a:chExt cx="0" cy="0"/>
-        </a:xfrm>
-      </p:grpSpPr>
-      <p:sp>
-        <p:nvSpPr>
-          <p:cNvPr id="5" name="Title 1"/>
-          <p:cNvSpPr>
-            <a:spLocks noGrp="1"/>
-          </p:cNvSpPr>
-          <p:nvPr>
-            <p:ph type="title" hasCustomPrompt="1"/>
-          </p:nvPr>
-        </p:nvSpPr>
-        <p:spPr>
-          <a:xfrm>
-            <a:off x="457201" y="279132"/>
-            <a:ext cx="6705600" cy="623236"/>
-          </a:xfrm>
-          <a:prstGeom prst="rect">
-            <a:avLst/>
-          </a:prstGeom>
-        </p:spPr>
-        <p:txBody>
-          <a:bodyPr/>
-          <a:lstStyle/>
-          <a:p>
-            <a:pPr marL="0" lvl="0" indent="0">
-              <a:buNone/>
-            </a:pPr>
-            <a:r>
               <a:t>Representing uncertainty</a:t>
             </a:r>
           </a:p>
@@ -8054,7 +7943,7 @@
 </p:sld>
 </file>
 
-<file path=ppt/slides/slide29.xml><?xml version="1.0" encoding="utf-8"?>
+<file path=ppt/slides/slide28.xml><?xml version="1.0" encoding="utf-8"?>
 <p:sld xmlns:a="http://schemas.openxmlformats.org/drawingml/2006/main" xmlns:r="http://schemas.openxmlformats.org/officeDocument/2006/relationships" xmlns:p="http://schemas.openxmlformats.org/presentationml/2006/main">
   <p:cSld>
     <p:spTree>
@@ -9958,167 +9847,7 @@
 </p:sld>
 </file>
 
-<file path=ppt/slides/slide3.xml><?xml version="1.0" encoding="utf-8"?>
-<p:sld xmlns:a="http://schemas.openxmlformats.org/drawingml/2006/main" xmlns:r="http://schemas.openxmlformats.org/officeDocument/2006/relationships" xmlns:p="http://schemas.openxmlformats.org/presentationml/2006/main">
-  <p:cSld>
-    <p:spTree>
-      <p:nvGrpSpPr>
-        <p:cNvPr id="1" name=""/>
-        <p:cNvGrpSpPr/>
-        <p:nvPr/>
-      </p:nvGrpSpPr>
-      <p:grpSpPr>
-        <a:xfrm>
-          <a:off x="0" y="0"/>
-          <a:ext cx="0" cy="0"/>
-          <a:chOff x="0" y="0"/>
-          <a:chExt cx="0" cy="0"/>
-        </a:xfrm>
-      </p:grpSpPr>
-      <p:sp>
-        <p:nvSpPr>
-          <p:cNvPr id="5" name="Title 1"/>
-          <p:cNvSpPr>
-            <a:spLocks noGrp="1"/>
-          </p:cNvSpPr>
-          <p:nvPr>
-            <p:ph type="title" hasCustomPrompt="1"/>
-          </p:nvPr>
-        </p:nvSpPr>
-        <p:spPr>
-          <a:xfrm>
-            <a:off x="457201" y="279132"/>
-            <a:ext cx="6705600" cy="623236"/>
-          </a:xfrm>
-          <a:prstGeom prst="rect">
-            <a:avLst/>
-          </a:prstGeom>
-        </p:spPr>
-        <p:txBody>
-          <a:bodyPr/>
-          <a:lstStyle/>
-          <a:p>
-            <a:pPr marL="0" lvl="0" indent="0">
-              <a:buNone/>
-            </a:pPr>
-            <a:r>
-              <a:t>Overview</a:t>
-            </a:r>
-          </a:p>
-        </p:txBody>
-      </p:sp>
-      <p:sp>
-        <p:nvSpPr>
-          <p:cNvPr id="3" name="Content Placeholder 2"/>
-          <p:cNvSpPr>
-            <a:spLocks noGrp="1"/>
-          </p:cNvSpPr>
-          <p:nvPr>
-            <p:ph idx="1" hasCustomPrompt="1"/>
-          </p:nvPr>
-        </p:nvSpPr>
-        <p:spPr/>
-        <p:txBody>
-          <a:bodyPr/>
-          <a:lstStyle/>
-          <a:p>
-            <a:pPr lvl="1"/>
-            <a:r>
-              <a:rPr dirty="0" err="1"/>
-              <a:t>Introduc</a:t>
-            </a:r>
-            <a:r>
-              <a:rPr lang="en-GB" dirty="0"/>
-              <a:t>e </a:t>
-            </a:r>
-            <a:r>
-              <a:rPr dirty="0"/>
-              <a:t>continuous-time </a:t>
-            </a:r>
-            <a:r>
-              <a:rPr dirty="0" err="1"/>
-              <a:t>stoch</a:t>
-            </a:r>
-            <a:r>
-              <a:rPr lang="en-GB" dirty="0"/>
-              <a:t>a</a:t>
-            </a:r>
-            <a:r>
-              <a:rPr dirty="0" err="1"/>
-              <a:t>stic</a:t>
-            </a:r>
-            <a:r>
-              <a:rPr dirty="0"/>
-              <a:t> models </a:t>
-            </a:r>
-            <a:endParaRPr lang="en-GB" dirty="0"/>
-          </a:p>
-          <a:p>
-            <a:pPr lvl="1"/>
-            <a:endParaRPr lang="en-GB" dirty="0"/>
-          </a:p>
-          <a:p>
-            <a:pPr lvl="1"/>
-            <a:r>
-              <a:rPr dirty="0"/>
-              <a:t>Implement Gillespie algorithm and </a:t>
-            </a:r>
-            <a:r>
-              <a:rPr dirty="0" err="1"/>
-              <a:t>analyse</a:t>
-            </a:r>
-            <a:r>
-              <a:rPr dirty="0"/>
-              <a:t> stochastic model output</a:t>
-            </a:r>
-            <a:endParaRPr lang="en-GB" dirty="0"/>
-          </a:p>
-          <a:p>
-            <a:pPr lvl="1"/>
-            <a:r>
-              <a:rPr dirty="0"/>
-              <a:t>Implement a stochastic model with the </a:t>
-            </a:r>
-            <a:r>
-              <a:rPr sz="1800" dirty="0" err="1">
-                <a:latin typeface="Courier"/>
-              </a:rPr>
-              <a:t>adaptivetau</a:t>
-            </a:r>
-            <a:r>
-              <a:rPr dirty="0"/>
-              <a:t> package </a:t>
-            </a:r>
-            <a:endParaRPr lang="en-GB" dirty="0"/>
-          </a:p>
-          <a:p>
-            <a:pPr marL="342991" lvl="1" indent="0">
-              <a:buNone/>
-            </a:pPr>
-            <a:r>
-              <a:rPr lang="en-GB" dirty="0"/>
-              <a:t>	</a:t>
-            </a:r>
-          </a:p>
-          <a:p>
-            <a:pPr lvl="1"/>
-            <a:r>
-              <a:rPr dirty="0"/>
-              <a:t>Discussion and concluding remarks </a:t>
-            </a:r>
-            <a:endParaRPr lang="en-GB" dirty="0"/>
-          </a:p>
-        </p:txBody>
-      </p:sp>
-    </p:spTree>
-  </p:cSld>
-  <p:clrMapOvr>
-    <a:masterClrMapping/>
-  </p:clrMapOvr>
-</p:sld>
-</file>
-
-<file path=ppt/slides/slide30.xml><?xml version="1.0" encoding="utf-8"?>
+<file path=ppt/slides/slide29.xml><?xml version="1.0" encoding="utf-8"?>
 <p:sld xmlns:a="http://schemas.openxmlformats.org/drawingml/2006/main" xmlns:r="http://schemas.openxmlformats.org/officeDocument/2006/relationships" xmlns:p="http://schemas.openxmlformats.org/presentationml/2006/main">
   <p:cSld>
     <p:spTree>
@@ -10245,7 +9974,167 @@
 </p:sld>
 </file>
 
-<file path=ppt/slides/slide31.xml><?xml version="1.0" encoding="utf-8"?>
+<file path=ppt/slides/slide3.xml><?xml version="1.0" encoding="utf-8"?>
+<p:sld xmlns:a="http://schemas.openxmlformats.org/drawingml/2006/main" xmlns:r="http://schemas.openxmlformats.org/officeDocument/2006/relationships" xmlns:p="http://schemas.openxmlformats.org/presentationml/2006/main">
+  <p:cSld>
+    <p:spTree>
+      <p:nvGrpSpPr>
+        <p:cNvPr id="1" name=""/>
+        <p:cNvGrpSpPr/>
+        <p:nvPr/>
+      </p:nvGrpSpPr>
+      <p:grpSpPr>
+        <a:xfrm>
+          <a:off x="0" y="0"/>
+          <a:ext cx="0" cy="0"/>
+          <a:chOff x="0" y="0"/>
+          <a:chExt cx="0" cy="0"/>
+        </a:xfrm>
+      </p:grpSpPr>
+      <p:sp>
+        <p:nvSpPr>
+          <p:cNvPr id="5" name="Title 1"/>
+          <p:cNvSpPr>
+            <a:spLocks noGrp="1"/>
+          </p:cNvSpPr>
+          <p:nvPr>
+            <p:ph type="title" hasCustomPrompt="1"/>
+          </p:nvPr>
+        </p:nvSpPr>
+        <p:spPr>
+          <a:xfrm>
+            <a:off x="457201" y="279132"/>
+            <a:ext cx="6705600" cy="623236"/>
+          </a:xfrm>
+          <a:prstGeom prst="rect">
+            <a:avLst/>
+          </a:prstGeom>
+        </p:spPr>
+        <p:txBody>
+          <a:bodyPr/>
+          <a:lstStyle/>
+          <a:p>
+            <a:pPr marL="0" lvl="0" indent="0">
+              <a:buNone/>
+            </a:pPr>
+            <a:r>
+              <a:t>Overview</a:t>
+            </a:r>
+          </a:p>
+        </p:txBody>
+      </p:sp>
+      <p:sp>
+        <p:nvSpPr>
+          <p:cNvPr id="3" name="Content Placeholder 2"/>
+          <p:cNvSpPr>
+            <a:spLocks noGrp="1"/>
+          </p:cNvSpPr>
+          <p:nvPr>
+            <p:ph idx="1" hasCustomPrompt="1"/>
+          </p:nvPr>
+        </p:nvSpPr>
+        <p:spPr/>
+        <p:txBody>
+          <a:bodyPr/>
+          <a:lstStyle/>
+          <a:p>
+            <a:pPr lvl="1"/>
+            <a:r>
+              <a:rPr dirty="0" err="1"/>
+              <a:t>Introduc</a:t>
+            </a:r>
+            <a:r>
+              <a:rPr lang="en-GB" dirty="0"/>
+              <a:t>e </a:t>
+            </a:r>
+            <a:r>
+              <a:rPr dirty="0"/>
+              <a:t>continuous-time </a:t>
+            </a:r>
+            <a:r>
+              <a:rPr dirty="0" err="1"/>
+              <a:t>stoch</a:t>
+            </a:r>
+            <a:r>
+              <a:rPr lang="en-GB" dirty="0"/>
+              <a:t>a</a:t>
+            </a:r>
+            <a:r>
+              <a:rPr dirty="0" err="1"/>
+              <a:t>stic</a:t>
+            </a:r>
+            <a:r>
+              <a:rPr dirty="0"/>
+              <a:t> models </a:t>
+            </a:r>
+            <a:endParaRPr lang="en-GB" dirty="0"/>
+          </a:p>
+          <a:p>
+            <a:pPr lvl="1"/>
+            <a:endParaRPr lang="en-GB" dirty="0"/>
+          </a:p>
+          <a:p>
+            <a:pPr lvl="1"/>
+            <a:r>
+              <a:rPr dirty="0"/>
+              <a:t>Implement Gillespie algorithm and </a:t>
+            </a:r>
+            <a:r>
+              <a:rPr dirty="0" err="1"/>
+              <a:t>analyse</a:t>
+            </a:r>
+            <a:r>
+              <a:rPr dirty="0"/>
+              <a:t> stochastic model output</a:t>
+            </a:r>
+            <a:endParaRPr lang="en-GB" dirty="0"/>
+          </a:p>
+          <a:p>
+            <a:pPr lvl="1"/>
+            <a:r>
+              <a:rPr dirty="0"/>
+              <a:t>Implement a stochastic model with the </a:t>
+            </a:r>
+            <a:r>
+              <a:rPr sz="1800" dirty="0" err="1">
+                <a:latin typeface="Courier"/>
+              </a:rPr>
+              <a:t>adaptivetau</a:t>
+            </a:r>
+            <a:r>
+              <a:rPr dirty="0"/>
+              <a:t> package </a:t>
+            </a:r>
+            <a:endParaRPr lang="en-GB" dirty="0"/>
+          </a:p>
+          <a:p>
+            <a:pPr marL="342991" lvl="1" indent="0">
+              <a:buNone/>
+            </a:pPr>
+            <a:r>
+              <a:rPr lang="en-GB" dirty="0"/>
+              <a:t>	</a:t>
+            </a:r>
+          </a:p>
+          <a:p>
+            <a:pPr lvl="1"/>
+            <a:r>
+              <a:rPr dirty="0"/>
+              <a:t>Discussion and concluding remarks </a:t>
+            </a:r>
+            <a:endParaRPr lang="en-GB" dirty="0"/>
+          </a:p>
+        </p:txBody>
+      </p:sp>
+    </p:spTree>
+  </p:cSld>
+  <p:clrMapOvr>
+    <a:masterClrMapping/>
+  </p:clrMapOvr>
+</p:sld>
+</file>
+
+<file path=ppt/slides/slide30.xml><?xml version="1.0" encoding="utf-8"?>
 <p:sld xmlns:a="http://schemas.openxmlformats.org/drawingml/2006/main" xmlns:r="http://schemas.openxmlformats.org/officeDocument/2006/relationships" xmlns:p="http://schemas.openxmlformats.org/presentationml/2006/main">
   <p:cSld>
     <p:spTree>
@@ -10372,7 +10261,7 @@
 </p:sld>
 </file>
 
-<file path=ppt/slides/slide32.xml><?xml version="1.0" encoding="utf-8"?>
+<file path=ppt/slides/slide31.xml><?xml version="1.0" encoding="utf-8"?>
 <p:sld xmlns:a="http://schemas.openxmlformats.org/drawingml/2006/main" xmlns:r="http://schemas.openxmlformats.org/officeDocument/2006/relationships" xmlns:p="http://schemas.openxmlformats.org/presentationml/2006/main">
   <p:cSld>
     <p:spTree>
